--- a/src/Machine Learning/k_means/k_means_clustering.pptx
+++ b/src/Machine Learning/k_means/k_means_clustering.pptx
@@ -3302,7 +3302,69 @@
             <a:pPr lvl="0"/>
             <a:r>
               <a:rPr/>
-              <a:t>Clustering is a</a:t>
+              <a:t>Clustering is a method of </a:t>
+            </a:r>
+            <a:r>
+              <a:rPr b="1"/>
+              <a:t>UNSUPERVISED LEARNING</a:t>
+            </a:r>
+          </a:p>
+          <a:p>
+            <a:pPr lvl="1"/>
+            <a:r>
+              <a:rPr/>
+              <a:t>So, it has no </a:t>
+            </a:r>
+            <a:r>
+              <a:rPr i="1"/>
+              <a:t>target</a:t>
+            </a:r>
+            <a:r>
+              <a:rPr/>
+              <a:t> or </a:t>
+            </a:r>
+            <a:r>
+              <a:rPr i="1"/>
+              <a:t>ground truth</a:t>
+            </a:r>
+            <a:r>
+              <a:rPr/>
+              <a:t> to estimate.</a:t>
+            </a:r>
+          </a:p>
+          <a:p>
+            <a:pPr lvl="0"/>
+            <a:r>
+              <a:rPr/>
+              <a:t>Does not have a specific label order</a:t>
+            </a:r>
+          </a:p>
+          <a:p>
+            <a:pPr lvl="0"/>
+            <a:r>
+              <a:rPr/>
+              <a:t>Can group the data through different methods:</a:t>
+            </a:r>
+          </a:p>
+          <a:p>
+            <a:pPr lvl="1"/>
+            <a:r>
+              <a:rPr/>
+              <a:t>K-means</a:t>
+            </a:r>
+          </a:p>
+          <a:p>
+            <a:pPr lvl="1"/>
+            <a:r>
+              <a:rPr/>
+              <a:t>K-nearest neighbors</a:t>
+            </a:r>
+          </a:p>
+          <a:p>
+            <a:pPr lvl="1"/>
+            <a:r>
+              <a:rPr/>
+              <a:t>Hierarchical</a:t>
             </a:r>
           </a:p>
         </p:txBody>

--- a/src/Machine Learning/k_means/k_means_clustering.pptx
+++ b/src/Machine Learning/k_means/k_means_clustering.pptx
@@ -8,6 +8,9 @@
     <p:sldId id="256" r:id="rId2"/>
     <p:sldId id="257" r:id="rId3"/>
     <p:sldId id="258" r:id="rId4"/>
+    <p:sldId id="259" r:id="rId5"/>
+    <p:sldId id="260" r:id="rId6"/>
+    <p:sldId id="261" r:id="rId7"/>
   </p:sldIdLst>
   <p:sldSz cx="9144000" cy="5143500" type="screen16x9"/>
   <p:notesSz cx="6858000" cy="9144000"/>
@@ -3364,7 +3367,7 @@
             <a:pPr lvl="1"/>
             <a:r>
               <a:rPr/>
-              <a:t>Hierarchical</a:t>
+              <a:t>Hierarchical clustering</a:t>
             </a:r>
           </a:p>
         </p:txBody>
@@ -3471,7 +3474,527 @@
             </a:pPr>
             <a:r>
               <a:rPr/>
-              <a:t>Hello World!</a:t>
+              <a:t>Why do we cluster?</a:t>
+            </a:r>
+          </a:p>
+        </p:txBody>
+      </p:sp>
+      <p:sp>
+        <p:nvSpPr>
+          <p:cNvPr id="3" name="Content Placeholder 2"/>
+          <p:cNvSpPr>
+            <a:spLocks noGrp="1"/>
+          </p:cNvSpPr>
+          <p:nvPr>
+            <p:ph idx="1"/>
+          </p:nvPr>
+        </p:nvSpPr>
+        <p:spPr/>
+        <p:txBody>
+          <a:bodyPr/>
+          <a:lstStyle/>
+          <a:p>
+            <a:pPr lvl="0" indent="0" marL="0">
+              <a:buNone/>
+            </a:pPr>
+            <a:r>
+              <a:rPr/>
+              <a:t>Given a collection of data objects, we want to form groups of data that is similar and dissimilar from other data. When we make these groups we do not really care how our data is presented as long as it is grouped.</a:t>
+            </a:r>
+          </a:p>
+          <a:p>
+            <a:pPr lvl="0" indent="0" marL="0">
+              <a:buNone/>
+            </a:pPr>
+            <a:r>
+              <a:rPr/>
+              <a:t>A typical cluster contains as a result:</a:t>
+            </a:r>
+          </a:p>
+          <a:p>
+            <a:pPr lvl="0"/>
+            <a:r>
+              <a:rPr/>
+              <a:t>Data observations similar to one another within the cluster</a:t>
+            </a:r>
+          </a:p>
+          <a:p>
+            <a:pPr lvl="0"/>
+            <a:r>
+              <a:rPr/>
+              <a:t>Data observations dissimilar to objects in other clusters</a:t>
+            </a:r>
+          </a:p>
+        </p:txBody>
+      </p:sp>
+    </p:spTree>
+  </p:cSld>
+</p:sld>
+</file>
+
+<file path=ppt/slides/slide4.xml><?xml version="1.0" encoding="utf-8"?>
+<p:sld xmlns:a="http://schemas.openxmlformats.org/drawingml/2006/main" xmlns:r="http://schemas.openxmlformats.org/officeDocument/2006/relationships" xmlns:p="http://schemas.openxmlformats.org/presentationml/2006/main">
+  <p:cSld>
+    <p:spTree>
+      <p:nvGrpSpPr>
+        <p:cNvPr id="1" name=""/>
+        <p:cNvGrpSpPr/>
+        <p:nvPr/>
+      </p:nvGrpSpPr>
+      <p:grpSpPr>
+        <a:xfrm>
+          <a:off x="0" y="0"/>
+          <a:ext cx="0" cy="0"/>
+          <a:chOff x="0" y="0"/>
+          <a:chExt cx="0" cy="0"/>
+        </a:xfrm>
+      </p:grpSpPr>
+      <p:sp>
+        <p:nvSpPr>
+          <p:cNvPr id="2" name="Title 1"/>
+          <p:cNvSpPr>
+            <a:spLocks noGrp="1"/>
+          </p:cNvSpPr>
+          <p:nvPr>
+            <p:ph type="title"/>
+          </p:nvPr>
+        </p:nvSpPr>
+        <p:spPr>
+          <a:xfrm>
+            <a:off x="457201" y="204787"/>
+            <a:ext cx="3008313" cy="871538"/>
+          </a:xfrm>
+        </p:spPr>
+        <p:txBody>
+          <a:bodyPr/>
+          <a:lstStyle/>
+          <a:p>
+            <a:pPr lvl="0" indent="0" marL="0">
+              <a:buNone/>
+            </a:pPr>
+            <a:r>
+              <a:rPr/>
+              <a:t>Types of clustering</a:t>
+            </a:r>
+          </a:p>
+        </p:txBody>
+      </p:sp>
+      <p:sp>
+        <p:nvSpPr>
+          <p:cNvPr id="4" name="Text Placeholder 3"/>
+          <p:cNvSpPr>
+            <a:spLocks noGrp="1"/>
+          </p:cNvSpPr>
+          <p:nvPr>
+            <p:ph idx="2" sz="half" type="body"/>
+          </p:nvPr>
+        </p:nvSpPr>
+        <p:spPr/>
+        <p:txBody>
+          <a:bodyPr/>
+          <a:lstStyle/>
+          <a:p>
+            <a:pPr lvl="0" indent="0" marL="0">
+              <a:buNone/>
+            </a:pPr>
+            <a:r>
+              <a:rPr/>
+              <a:t>In this presentation we will focus two types of clustering:</a:t>
+            </a:r>
+          </a:p>
+          <a:p>
+            <a:pPr lvl="0"/>
+            <a:r>
+              <a:rPr b="1"/>
+              <a:t>K-means clustering</a:t>
+            </a:r>
+            <a:r>
+              <a:rPr/>
+              <a:t>: measures the distance from a data point to a centroid.</a:t>
+            </a:r>
+          </a:p>
+          <a:p>
+            <a:pPr lvl="0"/>
+            <a:r>
+              <a:rPr b="1"/>
+              <a:t>Hierarchical clustering</a:t>
+            </a:r>
+            <a:r>
+              <a:rPr/>
+              <a:t>: measures the similarity between pairs of ponts and forms clusters from it.</a:t>
+            </a:r>
+          </a:p>
+        </p:txBody>
+      </p:sp>
+      <p:pic>
+        <p:nvPicPr>
+          <p:cNvPr descr="fig:  images/k_means_vs_hierarchical.png" id="0" name="Picture 1"/>
+          <p:cNvPicPr>
+            <a:picLocks noGrp="1" noChangeAspect="1"/>
+          </p:cNvPicPr>
+          <p:nvPr/>
+        </p:nvPicPr>
+        <p:blipFill>
+          <a:blip r:embed="rId2"/>
+          <a:stretch>
+            <a:fillRect/>
+          </a:stretch>
+        </p:blipFill>
+        <p:spPr bwMode="auto">
+          <a:xfrm>
+            <a:off x="3568700" y="863600"/>
+            <a:ext cx="5105400" cy="2565400"/>
+          </a:xfrm>
+          <a:prstGeom prst="rect">
+            <a:avLst/>
+          </a:prstGeom>
+          <a:noFill/>
+          <a:ln w="9525">
+            <a:noFill/>
+            <a:headEnd/>
+            <a:tailEnd/>
+          </a:ln>
+        </p:spPr>
+      </p:pic>
+      <p:sp>
+        <p:nvSpPr>
+          <p:cNvPr id="1" name="TextBox 3"/>
+          <p:cNvSpPr txBox="1"/>
+          <p:nvPr/>
+        </p:nvSpPr>
+        <p:spPr>
+          <a:xfrm>
+            <a:off x="3568700" y="4076700"/>
+            <a:ext cx="5105400" cy="508000"/>
+          </a:xfrm>
+          <a:prstGeom prst="rect">
+            <a:avLst/>
+          </a:prstGeom>
+          <a:noFill/>
+        </p:spPr>
+        <p:txBody>
+          <a:bodyPr/>
+          <a:lstStyle/>
+          <a:p>
+            <a:pPr lvl="0" indent="0" marL="0" algn="ctr">
+              <a:buNone/>
+            </a:pPr>
+            <a:r>
+              <a:rPr/>
+              <a:t>K-means clustering Vs. Hierarchical clustering</a:t>
+            </a:r>
+          </a:p>
+        </p:txBody>
+      </p:sp>
+    </p:spTree>
+  </p:cSld>
+</p:sld>
+</file>
+
+<file path=ppt/slides/slide5.xml><?xml version="1.0" encoding="utf-8"?>
+<p:sld xmlns:a="http://schemas.openxmlformats.org/drawingml/2006/main" xmlns:r="http://schemas.openxmlformats.org/officeDocument/2006/relationships" xmlns:p="http://schemas.openxmlformats.org/presentationml/2006/main">
+  <p:cSld>
+    <p:spTree>
+      <p:nvGrpSpPr>
+        <p:cNvPr id="1" name=""/>
+        <p:cNvGrpSpPr/>
+        <p:nvPr/>
+      </p:nvGrpSpPr>
+      <p:grpSpPr>
+        <a:xfrm>
+          <a:off x="0" y="0"/>
+          <a:ext cx="0" cy="0"/>
+          <a:chOff x="0" y="0"/>
+          <a:chExt cx="0" cy="0"/>
+        </a:xfrm>
+      </p:grpSpPr>
+      <p:sp>
+        <p:nvSpPr>
+          <p:cNvPr id="2" name="Title 1"/>
+          <p:cNvSpPr>
+            <a:spLocks noGrp="1"/>
+          </p:cNvSpPr>
+          <p:nvPr>
+            <p:ph type="title"/>
+          </p:nvPr>
+        </p:nvSpPr>
+        <p:spPr/>
+        <p:txBody>
+          <a:bodyPr/>
+          <a:lstStyle/>
+          <a:p>
+            <a:pPr lvl="0" indent="0" marL="0">
+              <a:buNone/>
+            </a:pPr>
+            <a:r>
+              <a:rPr/>
+              <a:t>K-means clustering</a:t>
+            </a:r>
+          </a:p>
+        </p:txBody>
+      </p:sp>
+      <p:sp>
+        <p:nvSpPr>
+          <p:cNvPr id="3" name="Content Placeholder 2"/>
+          <p:cNvSpPr>
+            <a:spLocks noGrp="1"/>
+          </p:cNvSpPr>
+          <p:nvPr>
+            <p:ph idx="1"/>
+          </p:nvPr>
+        </p:nvSpPr>
+        <p:spPr/>
+        <p:txBody>
+          <a:bodyPr/>
+          <a:lstStyle/>
+          <a:p>
+            <a:pPr lvl="0" indent="0" marL="0">
+              <a:spcBef>
+                <a:spcPts val="3000"/>
+              </a:spcBef>
+              <a:buNone/>
+            </a:pPr>
+            <a:r>
+              <a:rPr b="1"/>
+              <a:t>What is it?</a:t>
+            </a:r>
+          </a:p>
+          <a:p>
+            <a:pPr lvl="0" indent="0" marL="0">
+              <a:buNone/>
+            </a:pPr>
+            <a:r>
+              <a:rPr/>
+              <a:t>An algorithm that groups the data based on its euclidean distance in a certain dimension against a centroid. The data will be separated in </a:t>
+            </a:r>
+            <a:r>
+              <a:rPr b="1" i="1"/>
+              <a:t>K</a:t>
+            </a:r>
+            <a:r>
+              <a:rPr/>
+              <a:t> clusters </a:t>
+            </a:r>
+            <a:r>
+              <a:rPr i="1"/>
+              <a:t>(arbitrary)</a:t>
+            </a:r>
+            <a:r>
+              <a:rPr/>
+              <a:t> and calculate the distance of the data to the centroid.</a:t>
+            </a:r>
+          </a:p>
+        </p:txBody>
+      </p:sp>
+    </p:spTree>
+  </p:cSld>
+</p:sld>
+</file>
+
+<file path=ppt/slides/slide6.xml><?xml version="1.0" encoding="utf-8"?>
+<p:sld xmlns:a="http://schemas.openxmlformats.org/drawingml/2006/main" xmlns:r="http://schemas.openxmlformats.org/officeDocument/2006/relationships" xmlns:p="http://schemas.openxmlformats.org/presentationml/2006/main">
+  <p:cSld>
+    <p:spTree>
+      <p:nvGrpSpPr>
+        <p:cNvPr id="1" name=""/>
+        <p:cNvGrpSpPr/>
+        <p:nvPr/>
+      </p:nvGrpSpPr>
+      <p:grpSpPr>
+        <a:xfrm>
+          <a:off x="0" y="0"/>
+          <a:ext cx="0" cy="0"/>
+          <a:chOff x="0" y="0"/>
+          <a:chExt cx="0" cy="0"/>
+        </a:xfrm>
+      </p:grpSpPr>
+      <p:sp>
+        <p:nvSpPr>
+          <p:cNvPr id="2" name="Title 1"/>
+          <p:cNvSpPr>
+            <a:spLocks noGrp="1"/>
+          </p:cNvSpPr>
+          <p:nvPr>
+            <p:ph type="title"/>
+          </p:nvPr>
+        </p:nvSpPr>
+        <p:spPr>
+          <a:xfrm>
+            <a:off x="457201" y="204787"/>
+            <a:ext cx="3008313" cy="871538"/>
+          </a:xfrm>
+        </p:spPr>
+        <p:txBody>
+          <a:bodyPr/>
+          <a:lstStyle/>
+          <a:p>
+            <a:pPr lvl="0" indent="0" marL="0">
+              <a:buNone/>
+            </a:pPr>
+            <a:r>
+              <a:rPr/>
+              <a:t>K-means clustering</a:t>
+            </a:r>
+          </a:p>
+        </p:txBody>
+      </p:sp>
+      <p:sp>
+        <p:nvSpPr>
+          <p:cNvPr id="4" name="Text Placeholder 3"/>
+          <p:cNvSpPr>
+            <a:spLocks noGrp="1"/>
+          </p:cNvSpPr>
+          <p:nvPr>
+            <p:ph idx="2" sz="half" type="body"/>
+          </p:nvPr>
+        </p:nvSpPr>
+        <p:spPr/>
+        <p:txBody>
+          <a:bodyPr/>
+          <a:lstStyle/>
+          <a:p>
+            <a:pPr lvl="0" indent="0" marL="0">
+              <a:spcBef>
+                <a:spcPts val="3000"/>
+              </a:spcBef>
+              <a:buNone/>
+            </a:pPr>
+            <a:r>
+              <a:rPr b="1"/>
+              <a:t>How does it work?</a:t>
+            </a:r>
+          </a:p>
+          <a:p>
+            <a:pPr lvl="0" indent="0" marL="0">
+              <a:buNone/>
+            </a:pPr>
+            <a:r>
+              <a:rPr i="1"/>
+              <a:t>K-means clustering</a:t>
+            </a:r>
+            <a:r>
+              <a:rPr/>
+              <a:t> method works based on the following steps:</a:t>
+            </a:r>
+          </a:p>
+          <a:p>
+            <a:pPr lvl="0" indent="-342900" marL="342900">
+              <a:buAutoNum type="arabicPeriod"/>
+            </a:pPr>
+            <a:r>
+              <a:rPr/>
+              <a:t>The computer has </a:t>
+            </a:r>
+            <a:r>
+              <a:rPr b="1"/>
+              <a:t>K</a:t>
+            </a:r>
+            <a:r>
+              <a:rPr/>
+              <a:t> centroids in determined locations in the data spectrum.</a:t>
+            </a:r>
+          </a:p>
+          <a:p>
+            <a:pPr lvl="0" indent="-342900" marL="342900">
+              <a:buAutoNum type="arabicPeriod"/>
+            </a:pPr>
+            <a:r>
+              <a:rPr/>
+              <a:t>The computer computes the distance between the data points and the centroids.</a:t>
+            </a:r>
+          </a:p>
+          <a:p>
+            <a:pPr lvl="0" indent="-342900" marL="342900">
+              <a:buAutoNum type="arabicPeriod"/>
+            </a:pPr>
+            <a:r>
+              <a:rPr/>
+              <a:t>The computer labels the points that are the </a:t>
+            </a:r>
+            <a:r>
+              <a:rPr b="1"/>
+              <a:t>nearest</a:t>
+            </a:r>
+            <a:r>
+              <a:rPr/>
+              <a:t> to each centroid.</a:t>
+            </a:r>
+          </a:p>
+          <a:p>
+            <a:pPr lvl="0" indent="-342900" marL="342900">
+              <a:buAutoNum type="arabicPeriod"/>
+            </a:pPr>
+            <a:r>
+              <a:rPr/>
+              <a:t>The computer moves the centroid to the </a:t>
+            </a:r>
+            <a:r>
+              <a:rPr b="1"/>
+              <a:t>mean</a:t>
+            </a:r>
+            <a:r>
+              <a:rPr/>
+              <a:t> point of the labeled data.</a:t>
+            </a:r>
+          </a:p>
+        </p:txBody>
+      </p:sp>
+      <p:pic>
+        <p:nvPicPr>
+          <p:cNvPr descr="fig:  images/k_means_process.gif" id="0" name="Picture 1"/>
+          <p:cNvPicPr>
+            <a:picLocks noGrp="1" noChangeAspect="1"/>
+          </p:cNvPicPr>
+          <p:nvPr/>
+        </p:nvPicPr>
+        <p:blipFill>
+          <a:blip r:embed="rId2"/>
+          <a:stretch>
+            <a:fillRect/>
+          </a:stretch>
+        </p:blipFill>
+        <p:spPr bwMode="auto">
+          <a:xfrm>
+            <a:off x="3568700" y="228600"/>
+            <a:ext cx="5105400" cy="3835400"/>
+          </a:xfrm>
+          <a:prstGeom prst="rect">
+            <a:avLst/>
+          </a:prstGeom>
+          <a:noFill/>
+          <a:ln w="9525">
+            <a:noFill/>
+            <a:headEnd/>
+            <a:tailEnd/>
+          </a:ln>
+        </p:spPr>
+      </p:pic>
+      <p:sp>
+        <p:nvSpPr>
+          <p:cNvPr id="1" name="TextBox 3"/>
+          <p:cNvSpPr txBox="1"/>
+          <p:nvPr/>
+        </p:nvSpPr>
+        <p:spPr>
+          <a:xfrm>
+            <a:off x="3568700" y="4076700"/>
+            <a:ext cx="5105400" cy="508000"/>
+          </a:xfrm>
+          <a:prstGeom prst="rect">
+            <a:avLst/>
+          </a:prstGeom>
+          <a:noFill/>
+        </p:spPr>
+        <p:txBody>
+          <a:bodyPr/>
+          <a:lstStyle/>
+          <a:p>
+            <a:pPr lvl="0" indent="0" marL="0" algn="ctr">
+              <a:buNone/>
+            </a:pPr>
+            <a:r>
+              <a:rPr/>
+              <a:t>K-means process</a:t>
             </a:r>
           </a:p>
         </p:txBody>
